--- a/Presentazione.pptx
+++ b/Presentazione.pptx
@@ -130,6 +130,7 @@
   <p1510:revLst>
     <p1510:client id="{03F22C91-5419-BFBD-3FCD-343EF9C23B17}" v="2" dt="2023-07-18T19:16:28.485"/>
     <p1510:client id="{27C8CC70-89E6-530A-06B5-DB6C5176B74B}" v="309" dt="2023-07-02T22:30:04.934"/>
+    <p1510:client id="{3AC4F8C9-BA18-042B-1551-4EFF773450FD}" v="194" dt="2023-07-27T15:37:16.724"/>
     <p1510:client id="{68F1A08E-16B7-6F40-8578-A49BFF10C850}" v="233" dt="2023-07-18T09:43:30.473"/>
     <p1510:client id="{85988190-8EF2-37C2-87A5-D77D19C02B7C}" v="618" dt="2023-07-18T15:31:07.850"/>
     <p1510:client id="{9CF41BFF-47E2-3AD1-6D3C-937848356A9E}" v="88" dt="2023-07-04T10:22:46.597"/>
@@ -7194,7 +7195,16 @@
             <a:rPr lang="en-GB" dirty="0">
               <a:latin typeface="Corbel" panose="020B0503020204020204"/>
             </a:rPr>
-            <a:t>The final result is then an estimate of the baseline drift  </a:t>
+            <a:t>The final result is then</a:t>
+          </a:r>
+          <a:br>
+            <a:rPr lang="en-US" dirty="0"/>
+          </a:br>
+          <a:r>
+            <a:rPr lang="en-GB" dirty="0">
+              <a:latin typeface="Corbel" panose="020B0503020204020204"/>
+            </a:rPr>
+            <a:t>an estimate of the baseline drift  </a:t>
           </a:r>
           <a:r>
             <a:rPr lang="en-GB" i="1" dirty="0">
@@ -9905,8 +9915,8 @@
       </dsp:nvSpPr>
       <dsp:spPr>
         <a:xfrm>
-          <a:off x="0" y="1199650"/>
-          <a:ext cx="10574845" cy="1599533"/>
+          <a:off x="0" y="982925"/>
+          <a:ext cx="10287858" cy="1310567"/>
         </a:xfrm>
         <a:prstGeom prst="notchedRightArrow">
           <a:avLst/>
@@ -9944,8 +9954,8 @@
       </dsp:nvSpPr>
       <dsp:spPr>
         <a:xfrm>
-          <a:off x="4763" y="0"/>
-          <a:ext cx="2291044" cy="1599533"/>
+          <a:off x="4634" y="0"/>
+          <a:ext cx="2228868" cy="1310567"/>
         </a:xfrm>
         <a:prstGeom prst="rect">
           <a:avLst/>
@@ -9969,12 +9979,12 @@
         <a:fontRef idx="minor"/>
       </dsp:style>
       <dsp:txBody>
-        <a:bodyPr spcFirstLastPara="0" vert="horz" wrap="square" lIns="113792" tIns="113792" rIns="113792" bIns="113792" numCol="1" spcCol="1270" anchor="b" anchorCtr="0">
+        <a:bodyPr spcFirstLastPara="0" vert="horz" wrap="square" lIns="106680" tIns="106680" rIns="106680" bIns="106680" numCol="1" spcCol="1270" anchor="b" anchorCtr="0">
           <a:noAutofit/>
         </a:bodyPr>
         <a:lstStyle/>
         <a:p>
-          <a:pPr marL="0" lvl="0" indent="0" algn="ctr" defTabSz="711200" rtl="0">
+          <a:pPr marL="0" lvl="0" indent="0" algn="ctr" defTabSz="666750" rtl="0">
             <a:lnSpc>
               <a:spcPct val="90000"/>
             </a:lnSpc>
@@ -9987,29 +9997,29 @@
             <a:buNone/>
           </a:pPr>
           <a:r>
-            <a:rPr lang="en-GB" sz="1600" kern="1200" dirty="0">
+            <a:rPr lang="en-GB" sz="1500" kern="1200" dirty="0">
               <a:latin typeface="Corbel" panose="020B0503020204020204"/>
             </a:rPr>
             <a:t>The signal is first opened by a structuring element </a:t>
           </a:r>
           <a:r>
-            <a:rPr lang="en-GB" sz="1600" i="1" kern="1200" dirty="0">
+            <a:rPr lang="en-GB" sz="1500" i="1" kern="1200" dirty="0">
               <a:latin typeface="Corbel" panose="020B0503020204020204"/>
             </a:rPr>
             <a:t>Bo</a:t>
           </a:r>
           <a:r>
-            <a:rPr lang="en-GB" sz="1600" kern="1200" dirty="0">
+            <a:rPr lang="en-GB" sz="1500" kern="1200" dirty="0">
               <a:latin typeface="Corbel" panose="020B0503020204020204"/>
             </a:rPr>
             <a:t> for removing peaks in the signal.</a:t>
           </a:r>
-          <a:endParaRPr lang="en-GB" sz="1600" kern="1200" dirty="0"/>
+          <a:endParaRPr lang="en-GB" sz="1500" kern="1200" dirty="0"/>
         </a:p>
       </dsp:txBody>
       <dsp:txXfrm>
-        <a:off x="4763" y="0"/>
-        <a:ext cx="2291044" cy="1599533"/>
+        <a:off x="4634" y="0"/>
+        <a:ext cx="2228868" cy="1310567"/>
       </dsp:txXfrm>
     </dsp:sp>
     <dsp:sp modelId="{6F18C1C7-097C-4100-852A-92267F6A1754}">
@@ -10019,8 +10029,8 @@
       </dsp:nvSpPr>
       <dsp:spPr>
         <a:xfrm>
-          <a:off x="950343" y="1799475"/>
-          <a:ext cx="399883" cy="399883"/>
+          <a:off x="955247" y="1474388"/>
+          <a:ext cx="327641" cy="327641"/>
         </a:xfrm>
         <a:prstGeom prst="ellipse">
           <a:avLst/>
@@ -10059,8 +10069,8 @@
       </dsp:nvSpPr>
       <dsp:spPr>
         <a:xfrm>
-          <a:off x="2410359" y="2399300"/>
-          <a:ext cx="2291044" cy="1599533"/>
+          <a:off x="2344945" y="1965851"/>
+          <a:ext cx="2228868" cy="1310567"/>
         </a:xfrm>
         <a:prstGeom prst="rect">
           <a:avLst/>
@@ -10084,12 +10094,12 @@
         <a:fontRef idx="minor"/>
       </dsp:style>
       <dsp:txBody>
-        <a:bodyPr spcFirstLastPara="0" vert="horz" wrap="square" lIns="113792" tIns="113792" rIns="113792" bIns="113792" numCol="1" spcCol="1270" anchor="t" anchorCtr="0">
+        <a:bodyPr spcFirstLastPara="0" vert="horz" wrap="square" lIns="106680" tIns="106680" rIns="106680" bIns="106680" numCol="1" spcCol="1270" anchor="t" anchorCtr="0">
           <a:noAutofit/>
         </a:bodyPr>
         <a:lstStyle/>
         <a:p>
-          <a:pPr marL="0" lvl="0" indent="0" algn="ctr" defTabSz="711200" rtl="0">
+          <a:pPr marL="0" lvl="0" indent="0" algn="ctr" defTabSz="666750" rtl="0">
             <a:lnSpc>
               <a:spcPct val="90000"/>
             </a:lnSpc>
@@ -10102,35 +10112,35 @@
             <a:buNone/>
           </a:pPr>
           <a:r>
-            <a:rPr lang="en-GB" sz="1600" kern="1200" dirty="0">
+            <a:rPr lang="en-GB" sz="1500" kern="1200" dirty="0">
               <a:latin typeface="Corbel" panose="020B0503020204020204"/>
             </a:rPr>
             <a:t>Than the resultant waveforms with pits are removed by a closing operation using the other structuring element</a:t>
           </a:r>
           <a:r>
-            <a:rPr lang="en-GB" sz="1600" kern="1200" noProof="0" dirty="0">
+            <a:rPr lang="en-GB" sz="1500" kern="1200" noProof="0" dirty="0">
               <a:latin typeface="Corbel" panose="020B0503020204020204"/>
             </a:rPr>
             <a:t> </a:t>
           </a:r>
           <a:r>
-            <a:rPr lang="en-GB" sz="1600" i="1" kern="1200" noProof="0" dirty="0">
+            <a:rPr lang="en-GB" sz="1500" i="1" kern="1200" noProof="0" dirty="0">
               <a:latin typeface="Corbel" panose="020B0503020204020204"/>
             </a:rPr>
             <a:t>Bc</a:t>
           </a:r>
           <a:r>
-            <a:rPr lang="en-GB" sz="1600" kern="1200" noProof="0" dirty="0">
+            <a:rPr lang="en-GB" sz="1500" kern="1200" noProof="0" dirty="0">
               <a:latin typeface="Corbel" panose="020B0503020204020204"/>
             </a:rPr>
             <a:t>.</a:t>
           </a:r>
-          <a:endParaRPr lang="en-GB" sz="1600" kern="1200" noProof="0" dirty="0"/>
+          <a:endParaRPr lang="en-GB" sz="1500" kern="1200" noProof="0" dirty="0"/>
         </a:p>
       </dsp:txBody>
       <dsp:txXfrm>
-        <a:off x="2410359" y="2399300"/>
-        <a:ext cx="2291044" cy="1599533"/>
+        <a:off x="2344945" y="1965851"/>
+        <a:ext cx="2228868" cy="1310567"/>
       </dsp:txXfrm>
     </dsp:sp>
     <dsp:sp modelId="{5559A953-4D90-40E3-91EA-E4A9109DFCD1}">
@@ -10140,8 +10150,8 @@
       </dsp:nvSpPr>
       <dsp:spPr>
         <a:xfrm>
-          <a:off x="3355940" y="1799475"/>
-          <a:ext cx="399883" cy="399883"/>
+          <a:off x="3295559" y="1474388"/>
+          <a:ext cx="327641" cy="327641"/>
         </a:xfrm>
         <a:prstGeom prst="ellipse">
           <a:avLst/>
@@ -10180,8 +10190,8 @@
       </dsp:nvSpPr>
       <dsp:spPr>
         <a:xfrm>
-          <a:off x="4815956" y="0"/>
-          <a:ext cx="2291044" cy="1599533"/>
+          <a:off x="4685257" y="0"/>
+          <a:ext cx="2228868" cy="1310567"/>
         </a:xfrm>
         <a:prstGeom prst="rect">
           <a:avLst/>
@@ -10205,12 +10215,12 @@
         <a:fontRef idx="minor"/>
       </dsp:style>
       <dsp:txBody>
-        <a:bodyPr spcFirstLastPara="0" vert="horz" wrap="square" lIns="113792" tIns="113792" rIns="113792" bIns="113792" numCol="1" spcCol="1270" anchor="b" anchorCtr="0">
+        <a:bodyPr spcFirstLastPara="0" vert="horz" wrap="square" lIns="106680" tIns="106680" rIns="106680" bIns="106680" numCol="1" spcCol="1270" anchor="b" anchorCtr="0">
           <a:noAutofit/>
         </a:bodyPr>
         <a:lstStyle/>
         <a:p>
-          <a:pPr marL="0" lvl="0" indent="0" algn="ctr" defTabSz="711200" rtl="0">
+          <a:pPr marL="0" lvl="0" indent="0" algn="ctr" defTabSz="666750" rtl="0">
             <a:lnSpc>
               <a:spcPct val="90000"/>
             </a:lnSpc>
@@ -10223,29 +10233,38 @@
             <a:buNone/>
           </a:pPr>
           <a:r>
-            <a:rPr lang="en-GB" sz="1600" kern="1200" dirty="0">
+            <a:rPr lang="en-GB" sz="1500" kern="1200" dirty="0">
               <a:latin typeface="Corbel" panose="020B0503020204020204"/>
             </a:rPr>
-            <a:t>The final result is then an estimate of the baseline drift  </a:t>
+            <a:t>The final result is then</a:t>
+          </a:r>
+          <a:br>
+            <a:rPr lang="en-US" sz="1500" kern="1200" dirty="0"/>
+          </a:br>
+          <a:r>
+            <a:rPr lang="en-GB" sz="1500" kern="1200" dirty="0">
+              <a:latin typeface="Corbel" panose="020B0503020204020204"/>
+            </a:rPr>
+            <a:t>an estimate of the baseline drift  </a:t>
           </a:r>
           <a:r>
-            <a:rPr lang="en-GB" sz="1600" i="1" kern="1200" dirty="0">
+            <a:rPr lang="en-GB" sz="1500" i="1" kern="1200" dirty="0">
               <a:latin typeface="Corbel" panose="020B0503020204020204"/>
             </a:rPr>
             <a:t>f</a:t>
           </a:r>
           <a:r>
-            <a:rPr lang="en-GB" sz="1600" kern="1200" dirty="0">
+            <a:rPr lang="en-GB" sz="1500" kern="1200" dirty="0">
               <a:latin typeface="Corbel" panose="020B0503020204020204"/>
             </a:rPr>
             <a:t>.</a:t>
           </a:r>
-          <a:endParaRPr lang="en-GB" sz="1600" kern="1200" dirty="0"/>
+          <a:endParaRPr lang="en-GB" sz="1500" kern="1200" dirty="0"/>
         </a:p>
       </dsp:txBody>
       <dsp:txXfrm>
-        <a:off x="4815956" y="0"/>
-        <a:ext cx="2291044" cy="1599533"/>
+        <a:off x="4685257" y="0"/>
+        <a:ext cx="2228868" cy="1310567"/>
       </dsp:txXfrm>
     </dsp:sp>
     <dsp:sp modelId="{1D4BC2C8-42D1-481F-868B-A61C71EC67A7}">
@@ -10255,8 +10274,8 @@
       </dsp:nvSpPr>
       <dsp:spPr>
         <a:xfrm>
-          <a:off x="5761536" y="1799475"/>
-          <a:ext cx="399883" cy="399883"/>
+          <a:off x="5635871" y="1474388"/>
+          <a:ext cx="327641" cy="327641"/>
         </a:xfrm>
         <a:prstGeom prst="ellipse">
           <a:avLst/>
@@ -10295,8 +10314,8 @@
       </dsp:nvSpPr>
       <dsp:spPr>
         <a:xfrm>
-          <a:off x="7221552" y="2399300"/>
-          <a:ext cx="2291044" cy="1599533"/>
+          <a:off x="7025569" y="1965851"/>
+          <a:ext cx="2228868" cy="1310567"/>
         </a:xfrm>
         <a:prstGeom prst="rect">
           <a:avLst/>
@@ -10320,12 +10339,12 @@
         <a:fontRef idx="minor"/>
       </dsp:style>
       <dsp:txBody>
-        <a:bodyPr spcFirstLastPara="0" vert="horz" wrap="square" lIns="113792" tIns="113792" rIns="113792" bIns="113792" numCol="1" spcCol="1270" anchor="t" anchorCtr="0">
+        <a:bodyPr spcFirstLastPara="0" vert="horz" wrap="square" lIns="106680" tIns="106680" rIns="106680" bIns="106680" numCol="1" spcCol="1270" anchor="t" anchorCtr="0">
           <a:noAutofit/>
         </a:bodyPr>
         <a:lstStyle/>
         <a:p>
-          <a:pPr marL="0" lvl="0" indent="0" algn="ctr" defTabSz="711200" rtl="0">
+          <a:pPr marL="0" lvl="0" indent="0" algn="ctr" defTabSz="666750" rtl="0">
             <a:lnSpc>
               <a:spcPct val="90000"/>
             </a:lnSpc>
@@ -10338,19 +10357,19 @@
             <a:buNone/>
           </a:pPr>
           <a:r>
-            <a:rPr lang="en-GB" sz="1600" kern="1200" dirty="0">
+            <a:rPr lang="en-GB" sz="1500" kern="1200" dirty="0">
               <a:latin typeface="Corbel" panose="020B0503020204020204"/>
             </a:rPr>
             <a:t>The correction of the baseline is then done by subtracting  </a:t>
           </a:r>
           <a:r>
-            <a:rPr lang="en-GB" sz="1600" i="1" kern="1200" dirty="0">
+            <a:rPr lang="en-GB" sz="1500" i="1" kern="1200" dirty="0">
               <a:latin typeface="Corbel" panose="020B0503020204020204"/>
             </a:rPr>
             <a:t>f </a:t>
           </a:r>
           <a:r>
-            <a:rPr lang="en-GB" sz="1600" kern="1200" dirty="0">
+            <a:rPr lang="en-GB" sz="1500" kern="1200" dirty="0">
               <a:latin typeface="Corbel" panose="020B0503020204020204"/>
             </a:rPr>
             <a:t> from the original signal.</a:t>
@@ -10358,8 +10377,8 @@
         </a:p>
       </dsp:txBody>
       <dsp:txXfrm>
-        <a:off x="7221552" y="2399300"/>
-        <a:ext cx="2291044" cy="1599533"/>
+        <a:off x="7025569" y="1965851"/>
+        <a:ext cx="2228868" cy="1310567"/>
       </dsp:txXfrm>
     </dsp:sp>
     <dsp:sp modelId="{3443103A-25BA-489F-8A64-A038BA563EAA}">
@@ -10369,8 +10388,8 @@
       </dsp:nvSpPr>
       <dsp:spPr>
         <a:xfrm>
-          <a:off x="8167133" y="1799475"/>
-          <a:ext cx="399883" cy="399883"/>
+          <a:off x="7976182" y="1474388"/>
+          <a:ext cx="327641" cy="327641"/>
         </a:xfrm>
         <a:prstGeom prst="ellipse">
           <a:avLst/>
@@ -21948,7 +21967,7 @@
             <a:fld id="{B61BEF0D-F0BB-DE4B-95CE-6DB70DBA9567}" type="datetimeFigureOut">
               <a:rPr lang="en-US" dirty="0"/>
               <a:pPr/>
-              <a:t>7/26/2023</a:t>
+              <a:t>7/27/2023</a:t>
             </a:fld>
             <a:endParaRPr lang="en-US" dirty="0"/>
           </a:p>
@@ -22241,7 +22260,7 @@
             <a:fld id="{B61BEF0D-F0BB-DE4B-95CE-6DB70DBA9567}" type="datetimeFigureOut">
               <a:rPr lang="en-US" dirty="0"/>
               <a:pPr/>
-              <a:t>7/26/2023</a:t>
+              <a:t>7/27/2023</a:t>
             </a:fld>
             <a:endParaRPr lang="en-US" dirty="0"/>
           </a:p>
@@ -22490,7 +22509,7 @@
             <a:fld id="{B61BEF0D-F0BB-DE4B-95CE-6DB70DBA9567}" type="datetimeFigureOut">
               <a:rPr lang="en-US" dirty="0"/>
               <a:pPr/>
-              <a:t>7/26/2023</a:t>
+              <a:t>7/27/2023</a:t>
             </a:fld>
             <a:endParaRPr lang="en-US" dirty="0"/>
           </a:p>
@@ -23031,7 +23050,7 @@
             <a:fld id="{B61BEF0D-F0BB-DE4B-95CE-6DB70DBA9567}" type="datetimeFigureOut">
               <a:rPr lang="en-US" dirty="0"/>
               <a:pPr/>
-              <a:t>7/26/2023</a:t>
+              <a:t>7/27/2023</a:t>
             </a:fld>
             <a:endParaRPr lang="en-US" dirty="0"/>
           </a:p>
@@ -23280,7 +23299,7 @@
             <a:fld id="{B61BEF0D-F0BB-DE4B-95CE-6DB70DBA9567}" type="datetimeFigureOut">
               <a:rPr lang="en-US" dirty="0"/>
               <a:pPr/>
-              <a:t>7/26/2023</a:t>
+              <a:t>7/27/2023</a:t>
             </a:fld>
             <a:endParaRPr lang="en-US" dirty="0"/>
           </a:p>
@@ -23813,7 +23832,7 @@
             <a:fld id="{B61BEF0D-F0BB-DE4B-95CE-6DB70DBA9567}" type="datetimeFigureOut">
               <a:rPr lang="en-US" dirty="0"/>
               <a:pPr/>
-              <a:t>7/26/2023</a:t>
+              <a:t>7/27/2023</a:t>
             </a:fld>
             <a:endParaRPr lang="en-US" dirty="0"/>
           </a:p>
@@ -24111,7 +24130,7 @@
             <a:fld id="{B61BEF0D-F0BB-DE4B-95CE-6DB70DBA9567}" type="datetimeFigureOut">
               <a:rPr lang="en-US" dirty="0"/>
               <a:pPr/>
-              <a:t>7/26/2023</a:t>
+              <a:t>7/27/2023</a:t>
             </a:fld>
             <a:endParaRPr lang="en-US" dirty="0"/>
           </a:p>
@@ -24285,7 +24304,7 @@
             <a:fld id="{B61BEF0D-F0BB-DE4B-95CE-6DB70DBA9567}" type="datetimeFigureOut">
               <a:rPr lang="en-US" dirty="0"/>
               <a:pPr/>
-              <a:t>7/26/2023</a:t>
+              <a:t>7/27/2023</a:t>
             </a:fld>
             <a:endParaRPr lang="en-US" dirty="0"/>
           </a:p>
@@ -24465,7 +24484,7 @@
             <a:fld id="{B61BEF0D-F0BB-DE4B-95CE-6DB70DBA9567}" type="datetimeFigureOut">
               <a:rPr lang="en-US" dirty="0"/>
               <a:pPr/>
-              <a:t>7/26/2023</a:t>
+              <a:t>7/27/2023</a:t>
             </a:fld>
             <a:endParaRPr lang="en-US" dirty="0"/>
           </a:p>
@@ -24635,7 +24654,7 @@
             <a:fld id="{B61BEF0D-F0BB-DE4B-95CE-6DB70DBA9567}" type="datetimeFigureOut">
               <a:rPr lang="en-US" dirty="0"/>
               <a:pPr/>
-              <a:t>7/26/2023</a:t>
+              <a:t>7/27/2023</a:t>
             </a:fld>
             <a:endParaRPr lang="en-US" dirty="0"/>
           </a:p>
@@ -24887,7 +24906,7 @@
             <a:fld id="{B61BEF0D-F0BB-DE4B-95CE-6DB70DBA9567}" type="datetimeFigureOut">
               <a:rPr lang="en-US" dirty="0"/>
               <a:pPr/>
-              <a:t>7/26/2023</a:t>
+              <a:t>7/27/2023</a:t>
             </a:fld>
             <a:endParaRPr lang="en-US" dirty="0"/>
           </a:p>
@@ -25183,7 +25202,7 @@
             <a:fld id="{B61BEF0D-F0BB-DE4B-95CE-6DB70DBA9567}" type="datetimeFigureOut">
               <a:rPr lang="en-US" dirty="0"/>
               <a:pPr/>
-              <a:t>7/26/2023</a:t>
+              <a:t>7/27/2023</a:t>
             </a:fld>
             <a:endParaRPr lang="en-US" dirty="0"/>
           </a:p>
@@ -25624,7 +25643,7 @@
             <a:fld id="{B61BEF0D-F0BB-DE4B-95CE-6DB70DBA9567}" type="datetimeFigureOut">
               <a:rPr lang="en-US" dirty="0"/>
               <a:pPr/>
-              <a:t>7/26/2023</a:t>
+              <a:t>7/27/2023</a:t>
             </a:fld>
             <a:endParaRPr lang="en-US" dirty="0"/>
           </a:p>
@@ -25743,7 +25762,7 @@
             <a:fld id="{B61BEF0D-F0BB-DE4B-95CE-6DB70DBA9567}" type="datetimeFigureOut">
               <a:rPr lang="en-US" dirty="0"/>
               <a:pPr/>
-              <a:t>7/26/2023</a:t>
+              <a:t>7/27/2023</a:t>
             </a:fld>
             <a:endParaRPr lang="en-US" dirty="0"/>
           </a:p>
@@ -25840,7 +25859,7 @@
             <a:fld id="{B61BEF0D-F0BB-DE4B-95CE-6DB70DBA9567}" type="datetimeFigureOut">
               <a:rPr lang="en-US" dirty="0"/>
               <a:pPr/>
-              <a:t>7/26/2023</a:t>
+              <a:t>7/27/2023</a:t>
             </a:fld>
             <a:endParaRPr lang="en-US" dirty="0"/>
           </a:p>
@@ -26123,7 +26142,7 @@
             <a:fld id="{B61BEF0D-F0BB-DE4B-95CE-6DB70DBA9567}" type="datetimeFigureOut">
               <a:rPr lang="en-US" dirty="0"/>
               <a:pPr/>
-              <a:t>7/26/2023</a:t>
+              <a:t>7/27/2023</a:t>
             </a:fld>
             <a:endParaRPr lang="en-US" dirty="0"/>
           </a:p>
@@ -26411,7 +26430,7 @@
             <a:fld id="{B61BEF0D-F0BB-DE4B-95CE-6DB70DBA9567}" type="datetimeFigureOut">
               <a:rPr lang="en-US" dirty="0"/>
               <a:pPr/>
-              <a:t>7/26/2023</a:t>
+              <a:t>7/27/2023</a:t>
             </a:fld>
             <a:endParaRPr lang="en-US" dirty="0"/>
           </a:p>
@@ -26941,7 +26960,7 @@
             <a:fld id="{B61BEF0D-F0BB-DE4B-95CE-6DB70DBA9567}" type="datetimeFigureOut">
               <a:rPr lang="en-US" dirty="0"/>
               <a:pPr/>
-              <a:t>7/26/2023</a:t>
+              <a:t>7/27/2023</a:t>
             </a:fld>
             <a:endParaRPr lang="en-US" dirty="0"/>
           </a:p>
@@ -32695,7 +32714,7 @@
         </p:nvSpPr>
         <p:spPr>
           <a:xfrm>
-            <a:off x="1484311" y="313193"/>
+            <a:off x="1632752" y="273609"/>
             <a:ext cx="10018713" cy="1019907"/>
           </a:xfrm>
         </p:spPr>
@@ -32729,7 +32748,7 @@
         </p:nvSpPr>
         <p:spPr>
           <a:xfrm>
-            <a:off x="1484310" y="1328615"/>
+            <a:off x="1632752" y="1289031"/>
             <a:ext cx="10018713" cy="1531817"/>
           </a:xfrm>
         </p:spPr>
@@ -32768,14 +32787,14 @@
           <p:nvPr>
             <p:extLst>
               <p:ext uri="{D42A27DB-BD31-4B8C-83A1-F6EECF244321}">
-                <p14:modId xmlns:p14="http://schemas.microsoft.com/office/powerpoint/2010/main" val="1287216634"/>
+                <p14:modId xmlns:p14="http://schemas.microsoft.com/office/powerpoint/2010/main" val="1250712516"/>
               </p:ext>
             </p:extLst>
           </p:nvPr>
         </p:nvGraphicFramePr>
         <p:xfrm>
-          <a:off x="1349118" y="2753796"/>
-          <a:ext cx="10574845" cy="3998834"/>
+          <a:off x="1497560" y="3307978"/>
+          <a:ext cx="10287858" cy="3276419"/>
         </p:xfrm>
         <a:graphic>
           <a:graphicData uri="http://schemas.openxmlformats.org/drawingml/2006/diagram">
@@ -32783,6 +32802,74 @@
           </a:graphicData>
         </a:graphic>
       </p:graphicFrame>
+      <p:sp>
+        <p:nvSpPr>
+          <p:cNvPr id="119" name="Fumetto: rettangolo con angoli arrotondati 118">
+            <a:extLst>
+              <a:ext uri="{FF2B5EF4-FFF2-40B4-BE49-F238E27FC236}">
+                <a16:creationId xmlns:a16="http://schemas.microsoft.com/office/drawing/2014/main" id="{941D0219-FDC9-7F4B-AE30-5BA033C95A93}"/>
+              </a:ext>
+            </a:extLst>
+          </p:cNvPr>
+          <p:cNvSpPr/>
+          <p:nvPr/>
+        </p:nvSpPr>
+        <p:spPr>
+          <a:xfrm>
+            <a:off x="9188689" y="2376964"/>
+            <a:ext cx="2463118" cy="1343586"/>
+          </a:xfrm>
+          <a:prstGeom prst="wedgeRoundRectCallout">
+            <a:avLst/>
+          </a:prstGeom>
+          <a:solidFill>
+            <a:schemeClr val="bg2">
+              <a:lumMod val="75000"/>
+            </a:schemeClr>
+          </a:solidFill>
+        </p:spPr>
+        <p:style>
+          <a:lnRef idx="1">
+            <a:schemeClr val="accent1"/>
+          </a:lnRef>
+          <a:fillRef idx="3">
+            <a:schemeClr val="accent1"/>
+          </a:fillRef>
+          <a:effectRef idx="2">
+            <a:schemeClr val="accent1"/>
+          </a:effectRef>
+          <a:fontRef idx="minor">
+            <a:schemeClr val="lt1"/>
+          </a:fontRef>
+        </p:style>
+        <p:txBody>
+          <a:bodyPr lIns="91440" tIns="45720" rIns="91440" bIns="45720" rtlCol="0" anchor="ctr"/>
+          <a:lstStyle/>
+          <a:p>
+            <a:pPr algn="ctr"/>
+            <a:r>
+              <a:rPr lang="en-GB" sz="1400" dirty="0"/>
+              <a:t>Bo and </a:t>
+            </a:r>
+            <a:r>
+              <a:rPr lang="en-GB" sz="1400" noProof="1"/>
+              <a:t>Bc </a:t>
+            </a:r>
+            <a:r>
+              <a:rPr lang="en-GB" sz="1400" dirty="0"/>
+              <a:t>are selected as two horizontal line segments of zero amplitude,</a:t>
+            </a:r>
+            <a:br>
+              <a:rPr lang="en-GB" sz="1400" dirty="0"/>
+            </a:br>
+            <a:r>
+              <a:rPr lang="en-GB" sz="1400" dirty="0"/>
+              <a:t>but with different lengths</a:t>
+            </a:r>
+            <a:endParaRPr lang="en-GB" dirty="0"/>
+          </a:p>
+        </p:txBody>
+      </p:sp>
     </p:spTree>
     <p:extLst>
       <p:ext uri="{BB962C8B-B14F-4D97-AF65-F5344CB8AC3E}">
